--- a/10B_Érdekes....pptx
+++ b/10B_Érdekes....pptx
@@ -276,7 +276,7 @@
           <a:p>
             <a:fld id="{506E977E-596E-44B9-9E0A-1F539CA0CD55}" type="datetimeFigureOut">
               <a:rPr lang="en-GB" smtClean="0"/>
-              <a:t>04/01/2022</a:t>
+              <a:t>05/01/2022</a:t>
             </a:fld>
             <a:endParaRPr lang="en-GB"/>
           </a:p>
@@ -476,7 +476,7 @@
           <a:p>
             <a:fld id="{506E977E-596E-44B9-9E0A-1F539CA0CD55}" type="datetimeFigureOut">
               <a:rPr lang="en-GB" smtClean="0"/>
-              <a:t>04/01/2022</a:t>
+              <a:t>05/01/2022</a:t>
             </a:fld>
             <a:endParaRPr lang="en-GB"/>
           </a:p>
@@ -686,7 +686,7 @@
           <a:p>
             <a:fld id="{506E977E-596E-44B9-9E0A-1F539CA0CD55}" type="datetimeFigureOut">
               <a:rPr lang="en-GB" smtClean="0"/>
-              <a:t>04/01/2022</a:t>
+              <a:t>05/01/2022</a:t>
             </a:fld>
             <a:endParaRPr lang="en-GB"/>
           </a:p>
@@ -886,7 +886,7 @@
           <a:p>
             <a:fld id="{506E977E-596E-44B9-9E0A-1F539CA0CD55}" type="datetimeFigureOut">
               <a:rPr lang="en-GB" smtClean="0"/>
-              <a:t>04/01/2022</a:t>
+              <a:t>05/01/2022</a:t>
             </a:fld>
             <a:endParaRPr lang="en-GB"/>
           </a:p>
@@ -1162,7 +1162,7 @@
           <a:p>
             <a:fld id="{506E977E-596E-44B9-9E0A-1F539CA0CD55}" type="datetimeFigureOut">
               <a:rPr lang="en-GB" smtClean="0"/>
-              <a:t>04/01/2022</a:t>
+              <a:t>05/01/2022</a:t>
             </a:fld>
             <a:endParaRPr lang="en-GB"/>
           </a:p>
@@ -1430,7 +1430,7 @@
           <a:p>
             <a:fld id="{506E977E-596E-44B9-9E0A-1F539CA0CD55}" type="datetimeFigureOut">
               <a:rPr lang="en-GB" smtClean="0"/>
-              <a:t>04/01/2022</a:t>
+              <a:t>05/01/2022</a:t>
             </a:fld>
             <a:endParaRPr lang="en-GB"/>
           </a:p>
@@ -1845,7 +1845,7 @@
           <a:p>
             <a:fld id="{506E977E-596E-44B9-9E0A-1F539CA0CD55}" type="datetimeFigureOut">
               <a:rPr lang="en-GB" smtClean="0"/>
-              <a:t>04/01/2022</a:t>
+              <a:t>05/01/2022</a:t>
             </a:fld>
             <a:endParaRPr lang="en-GB"/>
           </a:p>
@@ -1987,7 +1987,7 @@
           <a:p>
             <a:fld id="{506E977E-596E-44B9-9E0A-1F539CA0CD55}" type="datetimeFigureOut">
               <a:rPr lang="en-GB" smtClean="0"/>
-              <a:t>04/01/2022</a:t>
+              <a:t>05/01/2022</a:t>
             </a:fld>
             <a:endParaRPr lang="en-GB"/>
           </a:p>
@@ -2100,7 +2100,7 @@
           <a:p>
             <a:fld id="{506E977E-596E-44B9-9E0A-1F539CA0CD55}" type="datetimeFigureOut">
               <a:rPr lang="en-GB" smtClean="0"/>
-              <a:t>04/01/2022</a:t>
+              <a:t>05/01/2022</a:t>
             </a:fld>
             <a:endParaRPr lang="en-GB"/>
           </a:p>
@@ -2413,7 +2413,7 @@
           <a:p>
             <a:fld id="{506E977E-596E-44B9-9E0A-1F539CA0CD55}" type="datetimeFigureOut">
               <a:rPr lang="en-GB" smtClean="0"/>
-              <a:t>04/01/2022</a:t>
+              <a:t>05/01/2022</a:t>
             </a:fld>
             <a:endParaRPr lang="en-GB"/>
           </a:p>
@@ -2702,7 +2702,7 @@
           <a:p>
             <a:fld id="{506E977E-596E-44B9-9E0A-1F539CA0CD55}" type="datetimeFigureOut">
               <a:rPr lang="en-GB" smtClean="0"/>
-              <a:t>04/01/2022</a:t>
+              <a:t>05/01/2022</a:t>
             </a:fld>
             <a:endParaRPr lang="en-GB"/>
           </a:p>
@@ -2945,7 +2945,7 @@
           <a:p>
             <a:fld id="{506E977E-596E-44B9-9E0A-1F539CA0CD55}" type="datetimeFigureOut">
               <a:rPr lang="en-GB" smtClean="0"/>
-              <a:t>04/01/2022</a:t>
+              <a:t>05/01/2022</a:t>
             </a:fld>
             <a:endParaRPr lang="en-GB"/>
           </a:p>
@@ -14609,14 +14609,14 @@
           <p:nvPr>
             <p:extLst>
               <p:ext uri="{D42A27DB-BD31-4B8C-83A1-F6EECF244321}">
-                <p14:modId xmlns:p14="http://schemas.microsoft.com/office/powerpoint/2010/main" val="2775136509"/>
+                <p14:modId xmlns:p14="http://schemas.microsoft.com/office/powerpoint/2010/main" val="882635667"/>
               </p:ext>
             </p:extLst>
           </p:nvPr>
         </p:nvGraphicFramePr>
         <p:xfrm>
           <a:off x="2068702" y="1706690"/>
-          <a:ext cx="8054595" cy="3525011"/>
+          <a:ext cx="8054595" cy="3524948"/>
         </p:xfrm>
         <a:graphic>
           <a:graphicData uri="http://schemas.openxmlformats.org/drawingml/2006/table">
@@ -15057,10 +15057,13 @@
                         </a:spcAft>
                       </a:pPr>
                       <a:r>
-                        <a:rPr lang="hu-HU" sz="1400" b="0" dirty="0">
-                          <a:effectLst/>
-                        </a:rPr>
-                        <a:t>Fő célpont a vírusok fejlesztésénél</a:t>
+                        <a:rPr lang="hu-HU" sz="1400" b="0">
+                          <a:effectLst/>
+                          <a:latin typeface="Calibri" panose="020F0502020204030204" pitchFamily="34" charset="0"/>
+                          <a:ea typeface="Calibri" panose="020F0502020204030204" pitchFamily="34" charset="0"/>
+                          <a:cs typeface="Times New Roman" panose="02020603050405020304" pitchFamily="18" charset="0"/>
+                        </a:rPr>
+                        <a:t>Egyszerre 1 felhasználó</a:t>
                       </a:r>
                       <a:endParaRPr lang="en-GB" sz="1400" b="0" dirty="0">
                         <a:effectLst/>
@@ -15086,10 +15089,13 @@
                         </a:spcAft>
                       </a:pPr>
                       <a:r>
-                        <a:rPr lang="hu-HU" sz="1400" dirty="0">
-                          <a:effectLst/>
-                        </a:rPr>
-                        <a:t>Azért itt is vannak ám vírusok, de messze menően kevesebb</a:t>
+                        <a:rPr lang="hu-HU" sz="1400">
+                          <a:effectLst/>
+                          <a:latin typeface="Calibri" panose="020F0502020204030204" pitchFamily="34" charset="0"/>
+                          <a:ea typeface="Calibri" panose="020F0502020204030204" pitchFamily="34" charset="0"/>
+                          <a:cs typeface="Times New Roman" panose="02020603050405020304" pitchFamily="18" charset="0"/>
+                        </a:rPr>
+                        <a:t>1 időben több felhasználó is tudja használni</a:t>
                       </a:r>
                       <a:endParaRPr lang="en-GB" sz="1400" dirty="0">
                         <a:effectLst/>
